--- a/FaceRecognition/Face Recognition with Learning-based Descriptor.pptx
+++ b/FaceRecognition/Face Recognition with Learning-based Descriptor.pptx
@@ -226,7 +226,7 @@
           <a:p>
             <a:fld id="{450F41BE-A9F8-4B4C-BD54-6B597481718D}" type="datetimeFigureOut">
               <a:rPr lang="zh-CN" altLang="en-US" smtClean="0"/>
-              <a:t>2016/12/14</a:t>
+              <a:t>2017/12/9</a:t>
             </a:fld>
             <a:endParaRPr lang="zh-CN" altLang="en-US"/>
           </a:p>
@@ -1081,7 +1081,7 @@
           <a:p>
             <a:fld id="{83284890-85D2-4D7B-8EF5-15A9C1DB8F42}" type="datetimeFigureOut">
               <a:rPr lang="en-US" dirty="0"/>
-              <a:t>12/14/2016</a:t>
+              <a:t>12/9/2017</a:t>
             </a:fld>
             <a:endParaRPr lang="en-US" dirty="0"/>
           </a:p>
@@ -1256,7 +1256,7 @@
           <a:p>
             <a:fld id="{87157CC2-0FC8-4686-B024-99790E0F5162}" type="datetimeFigureOut">
               <a:rPr lang="en-US" dirty="0"/>
-              <a:t>12/14/2016</a:t>
+              <a:t>12/9/2017</a:t>
             </a:fld>
             <a:endParaRPr lang="en-US" dirty="0"/>
           </a:p>
@@ -1431,7 +1431,7 @@
           <a:p>
             <a:fld id="{F6764DA5-CD3D-4590-A511-FCD3BC7A793E}" type="datetimeFigureOut">
               <a:rPr lang="en-US" dirty="0"/>
-              <a:t>12/14/2016</a:t>
+              <a:t>12/9/2017</a:t>
             </a:fld>
             <a:endParaRPr lang="en-US" dirty="0"/>
           </a:p>
@@ -1854,7 +1854,7 @@
           <a:p>
             <a:fld id="{82F5661D-6934-4B32-B92C-470368BF1EC6}" type="datetimeFigureOut">
               <a:rPr lang="en-US" dirty="0"/>
-              <a:t>12/14/2016</a:t>
+              <a:t>12/9/2017</a:t>
             </a:fld>
             <a:endParaRPr lang="en-US" dirty="0"/>
           </a:p>
@@ -2162,7 +2162,7 @@
           <a:p>
             <a:fld id="{C6F822A4-8DA6-4447-9B1F-C5DB58435268}" type="datetimeFigureOut">
               <a:rPr lang="en-US" dirty="0"/>
-              <a:t>12/14/2016</a:t>
+              <a:t>12/9/2017</a:t>
             </a:fld>
             <a:endParaRPr lang="en-US" dirty="0"/>
           </a:p>
@@ -2544,7 +2544,7 @@
           <a:p>
             <a:fld id="{E548D31E-DCDA-41A7-9C67-C4B11B94D21D}" type="datetimeFigureOut">
               <a:rPr lang="en-US" dirty="0"/>
-              <a:t>12/14/2016</a:t>
+              <a:t>12/9/2017</a:t>
             </a:fld>
             <a:endParaRPr lang="en-US" dirty="0"/>
           </a:p>
@@ -2973,7 +2973,7 @@
           <a:p>
             <a:fld id="{9B3762C0-B258-48F1-ADE6-176B4174CCDD}" type="datetimeFigureOut">
               <a:rPr lang="en-US" dirty="0"/>
-              <a:t>12/14/2016</a:t>
+              <a:t>12/9/2017</a:t>
             </a:fld>
             <a:endParaRPr lang="en-US" dirty="0"/>
           </a:p>
@@ -3086,7 +3086,7 @@
           <a:p>
             <a:fld id="{677919A6-33EB-49BD-A62F-1FA56B9F9712}" type="datetimeFigureOut">
               <a:rPr lang="en-US" dirty="0"/>
-              <a:t>12/14/2016</a:t>
+              <a:t>12/9/2017</a:t>
             </a:fld>
             <a:endParaRPr lang="en-US" dirty="0"/>
           </a:p>
@@ -3176,7 +3176,7 @@
           <a:p>
             <a:fld id="{CA4E7D1B-D673-4CF6-8672-009D42ABD2A0}" type="datetimeFigureOut">
               <a:rPr lang="en-US" dirty="0"/>
-              <a:t>12/14/2016</a:t>
+              <a:t>12/9/2017</a:t>
             </a:fld>
             <a:endParaRPr lang="en-US" dirty="0"/>
           </a:p>
@@ -3521,7 +3521,7 @@
           <a:p>
             <a:fld id="{DA16AA21-1863-4931-97CB-99D0A168701B}" type="datetimeFigureOut">
               <a:rPr lang="en-US" dirty="0"/>
-              <a:t>12/14/2016</a:t>
+              <a:t>12/9/2017</a:t>
             </a:fld>
             <a:endParaRPr lang="en-US" dirty="0"/>
           </a:p>
@@ -3941,7 +3941,7 @@
           <a:p>
             <a:fld id="{3772C379-9A7C-4C87-A116-CBE9F58B04C5}" type="datetimeFigureOut">
               <a:rPr lang="en-US" dirty="0"/>
-              <a:t>12/14/2016</a:t>
+              <a:t>12/9/2017</a:t>
             </a:fld>
             <a:endParaRPr lang="en-US" dirty="0"/>
           </a:p>
@@ -4217,7 +4217,7 @@
           <a:p>
             <a:fld id="{8664C608-40B1-4030-A28D-5B74BC98ADCE}" type="datetimeFigureOut">
               <a:rPr lang="en-US" dirty="0"/>
-              <a:t>12/14/2016</a:t>
+              <a:t>12/9/2017</a:t>
             </a:fld>
             <a:endParaRPr lang="en-US" dirty="0"/>
           </a:p>
@@ -4815,6 +4815,10 @@
               <a:rPr lang="en-US" altLang="zh-CN" sz="6000" b="1" dirty="0"/>
               <a:t>Face Recognition with Learning-based Descriptor</a:t>
             </a:r>
+            <a:r>
+              <a:rPr lang="en-US" altLang="zh-CN" sz="6600" b="1" dirty="0"/>
+              <a:t/>
+            </a:r>
             <a:br>
               <a:rPr lang="en-US" altLang="zh-CN" sz="6600" b="1" dirty="0"/>
             </a:br>
@@ -4845,6 +4849,10 @@
             <a:r>
               <a:rPr lang="en-US" altLang="zh-CN" sz="2800" dirty="0"/>
               <a:t> Tang, and Jian Sun</a:t>
+            </a:r>
+            <a:r>
+              <a:rPr lang="en-US" altLang="zh-CN" sz="6600" dirty="0"/>
+              <a:t/>
             </a:r>
             <a:br>
               <a:rPr lang="en-US" altLang="zh-CN" sz="6600" dirty="0"/>
@@ -16453,13 +16461,8 @@
           <a:p>
             <a:r>
               <a:rPr lang="en-US" altLang="zh-CN" dirty="0"/>
-              <a:t>Multiple LE+</a:t>
-            </a:r>
-            <a:r>
-              <a:rPr lang="en-US" altLang="zh-CN" dirty="0"/>
-              <a:t> holistic</a:t>
-            </a:r>
-            <a:endParaRPr lang="en-US" altLang="zh-CN" dirty="0"/>
+              <a:t>Multiple LE+ holistic</a:t>
+            </a:r>
           </a:p>
         </p:txBody>
       </p:sp>
@@ -17868,7 +17871,6 @@
               <a:rPr lang="en-US" altLang="zh-CN" dirty="0"/>
               <a:t>: face recognition and computer vision. </a:t>
             </a:r>
-            <a:endParaRPr lang="en-US" altLang="zh-CN" dirty="0"/>
           </a:p>
           <a:p>
             <a:r>
@@ -19009,9 +19011,17 @@
           </a:bodyPr>
           <a:lstStyle/>
           <a:p>
+            <a:r>
+              <a:rPr lang="en-US" altLang="zh-CN" dirty="0"/>
+              <a:t/>
+            </a:r>
             <a:br>
               <a:rPr lang="en-US" altLang="zh-CN" dirty="0"/>
             </a:br>
+            <a:r>
+              <a:rPr lang="en-US" altLang="zh-CN" dirty="0"/>
+              <a:t/>
+            </a:r>
             <a:br>
               <a:rPr lang="en-US" altLang="zh-CN" dirty="0"/>
             </a:br>
@@ -19019,9 +19029,17 @@
               <a:rPr lang="zh-CN" altLang="en-US" dirty="0"/>
               <a:t>谢谢聆听</a:t>
             </a:r>
+            <a:r>
+              <a:rPr lang="en-US" altLang="zh-CN" dirty="0"/>
+              <a:t/>
+            </a:r>
             <a:br>
               <a:rPr lang="en-US" altLang="zh-CN" dirty="0"/>
             </a:br>
+            <a:r>
+              <a:rPr lang="en-US" altLang="zh-CN" dirty="0"/>
+              <a:t/>
+            </a:r>
             <a:br>
               <a:rPr lang="en-US" altLang="zh-CN" dirty="0"/>
             </a:br>
@@ -19051,30 +19069,6 @@
           </a:p>
         </p:txBody>
       </p:sp>
-      <p:pic>
-        <p:nvPicPr>
-          <p:cNvPr id="4" name="图片 3" descr="Smile by qubodup"/>
-          <p:cNvPicPr>
-            <a:picLocks noChangeAspect="1"/>
-          </p:cNvPicPr>
-          <p:nvPr/>
-        </p:nvPicPr>
-        <p:blipFill>
-          <a:blip r:embed="rId2"/>
-          <a:stretch>
-            <a:fillRect/>
-          </a:stretch>
-        </p:blipFill>
-        <p:spPr>
-          <a:xfrm>
-            <a:off x="3438927" y="5020056"/>
-            <a:ext cx="352447" cy="352447"/>
-          </a:xfrm>
-          <a:prstGeom prst="rect">
-            <a:avLst/>
-          </a:prstGeom>
-        </p:spPr>
-      </p:pic>
     </p:spTree>
     <p:extLst>
       <p:ext uri="{BB962C8B-B14F-4D97-AF65-F5344CB8AC3E}">
